--- a/HealAssistIt3/HealAssist_ASE.pptx
+++ b/HealAssistIt3/HealAssist_ASE.pptx
@@ -6128,11 +6128,7 @@
           <a:p>
             <a:r>
               <a:rPr lang="en-US" sz="2000" dirty="0" smtClean="0"/>
-              <a:t>By: Hayden McParlane, </a:t>
-            </a:r>
-            <a:r>
-              <a:rPr lang="en-US" sz="2000" dirty="0" smtClean="0"/>
-              <a:t>Priyanka </a:t>
+              <a:t>By: Hayden McParlane, Priyanka </a:t>
             </a:r>
             <a:r>
               <a:rPr lang="en-US" sz="2000" dirty="0" err="1" smtClean="0"/>
@@ -6153,6 +6149,30 @@
             <a:r>
               <a:rPr lang="en-US" sz="2000" dirty="0" err="1" smtClean="0"/>
               <a:t>Ghanta</a:t>
+            </a:r>
+            <a:r>
+              <a:rPr lang="en-US" sz="2000" dirty="0" smtClean="0"/>
+              <a:t>, </a:t>
+            </a:r>
+            <a:r>
+              <a:rPr lang="en-US" sz="2000" dirty="0" err="1"/>
+              <a:t>Nagender</a:t>
+            </a:r>
+            <a:r>
+              <a:rPr lang="en-US" sz="2000" dirty="0"/>
+              <a:t> </a:t>
+            </a:r>
+            <a:r>
+              <a:rPr lang="en-US" sz="2000" dirty="0" err="1"/>
+              <a:t>Goud</a:t>
+            </a:r>
+            <a:r>
+              <a:rPr lang="en-US" sz="2000" dirty="0"/>
+              <a:t> </a:t>
+            </a:r>
+            <a:r>
+              <a:rPr lang="en-US" sz="2000" dirty="0" err="1"/>
+              <a:t>Teegala</a:t>
             </a:r>
             <a:endParaRPr lang="en-US" sz="2000" dirty="0"/>
           </a:p>
@@ -6539,10 +6559,27 @@
                 <a:latin typeface="Times New Roman" panose="02020603050405020304" pitchFamily="18" charset="0"/>
                 <a:cs typeface="Times New Roman" panose="02020603050405020304" pitchFamily="18" charset="0"/>
               </a:rPr>
-              <a:t>Bootstrap / JQuery </a:t>
-            </a:r>
-            <a:r>
-              <a:rPr lang="en-US" sz="2800" cap="none" dirty="0" smtClean="0">
+              <a:t>Bootstrap / JQuery Front-end</a:t>
+            </a:r>
+          </a:p>
+          <a:p>
+            <a:pPr marL="0" indent="0">
+              <a:buNone/>
+            </a:pPr>
+            <a:r>
+              <a:rPr lang="en-US" sz="2800" cap="none" dirty="0">
+                <a:solidFill>
+                  <a:schemeClr val="accent1">
+                    <a:lumMod val="50000"/>
+                  </a:schemeClr>
+                </a:solidFill>
+                <a:latin typeface="Times New Roman" panose="02020603050405020304" pitchFamily="18" charset="0"/>
+                <a:cs typeface="Times New Roman" panose="02020603050405020304" pitchFamily="18" charset="0"/>
+              </a:rPr>
+              <a:t>+</a:t>
+            </a:r>
+            <a:r>
+              <a:rPr lang="en-US" sz="2800" cap="none" dirty="0">
                 <a:solidFill>
                   <a:schemeClr val="accent1">
                     <a:lumMod val="60000"/>
@@ -6552,7 +6589,20 @@
                 <a:latin typeface="Times New Roman" panose="02020603050405020304" pitchFamily="18" charset="0"/>
                 <a:cs typeface="Times New Roman" panose="02020603050405020304" pitchFamily="18" charset="0"/>
               </a:rPr>
-              <a:t>Front-end</a:t>
+              <a:t> </a:t>
+            </a:r>
+            <a:r>
+              <a:rPr lang="en-US" sz="2800" cap="none" dirty="0" smtClean="0">
+                <a:solidFill>
+                  <a:schemeClr val="accent1">
+                    <a:lumMod val="60000"/>
+                    <a:lumOff val="40000"/>
+                  </a:schemeClr>
+                </a:solidFill>
+                <a:latin typeface="Times New Roman" panose="02020603050405020304" pitchFamily="18" charset="0"/>
+                <a:cs typeface="Times New Roman" panose="02020603050405020304" pitchFamily="18" charset="0"/>
+              </a:rPr>
+              <a:t>Server-side JSP pages for dynamic web content</a:t>
             </a:r>
           </a:p>
           <a:p>
@@ -6585,7 +6635,7 @@
               <a:t> </a:t>
             </a:r>
             <a:r>
-              <a:rPr lang="en-US" sz="2800" cap="none" dirty="0" smtClean="0">
+              <a:rPr lang="en-US" sz="2800" cap="none" dirty="0" err="1" smtClean="0">
                 <a:solidFill>
                   <a:schemeClr val="accent1">
                     <a:lumMod val="60000"/>
@@ -6595,37 +6645,10 @@
                 <a:latin typeface="Times New Roman" panose="02020603050405020304" pitchFamily="18" charset="0"/>
                 <a:cs typeface="Times New Roman" panose="02020603050405020304" pitchFamily="18" charset="0"/>
               </a:rPr>
-              <a:t>Server-side JSP pages for dynamic web content</a:t>
-            </a:r>
-            <a:endParaRPr lang="en-US" sz="2800" cap="none" dirty="0" smtClean="0">
-              <a:solidFill>
-                <a:schemeClr val="accent1">
-                  <a:lumMod val="60000"/>
-                  <a:lumOff val="40000"/>
-                </a:schemeClr>
-              </a:solidFill>
-              <a:latin typeface="Times New Roman" panose="02020603050405020304" pitchFamily="18" charset="0"/>
-              <a:cs typeface="Times New Roman" panose="02020603050405020304" pitchFamily="18" charset="0"/>
-            </a:endParaRPr>
-          </a:p>
-          <a:p>
-            <a:pPr marL="0" indent="0">
-              <a:buNone/>
-            </a:pPr>
-            <a:r>
-              <a:rPr lang="en-US" sz="2800" cap="none" dirty="0">
-                <a:solidFill>
-                  <a:schemeClr val="accent1">
-                    <a:lumMod val="50000"/>
-                  </a:schemeClr>
-                </a:solidFill>
-                <a:latin typeface="Times New Roman" panose="02020603050405020304" pitchFamily="18" charset="0"/>
-                <a:cs typeface="Times New Roman" panose="02020603050405020304" pitchFamily="18" charset="0"/>
-              </a:rPr>
-              <a:t>+</a:t>
-            </a:r>
-            <a:r>
-              <a:rPr lang="en-US" sz="2800" cap="none" dirty="0">
+              <a:t>PillFill</a:t>
+            </a:r>
+            <a:r>
+              <a:rPr lang="en-US" sz="2800" cap="none" dirty="0" smtClean="0">
                 <a:solidFill>
                   <a:schemeClr val="accent1">
                     <a:lumMod val="60000"/>
@@ -6635,46 +6658,7 @@
                 <a:latin typeface="Times New Roman" panose="02020603050405020304" pitchFamily="18" charset="0"/>
                 <a:cs typeface="Times New Roman" panose="02020603050405020304" pitchFamily="18" charset="0"/>
               </a:rPr>
-              <a:t> </a:t>
-            </a:r>
-            <a:r>
-              <a:rPr lang="en-US" sz="2800" cap="none" dirty="0" err="1" smtClean="0">
-                <a:solidFill>
-                  <a:schemeClr val="accent1">
-                    <a:lumMod val="60000"/>
-                    <a:lumOff val="40000"/>
-                  </a:schemeClr>
-                </a:solidFill>
-                <a:latin typeface="Times New Roman" panose="02020603050405020304" pitchFamily="18" charset="0"/>
-                <a:cs typeface="Times New Roman" panose="02020603050405020304" pitchFamily="18" charset="0"/>
-              </a:rPr>
-              <a:t>PillFill</a:t>
-            </a:r>
-            <a:r>
-              <a:rPr lang="en-US" sz="2800" cap="none" dirty="0" smtClean="0">
-                <a:solidFill>
-                  <a:schemeClr val="accent1">
-                    <a:lumMod val="60000"/>
-                    <a:lumOff val="40000"/>
-                  </a:schemeClr>
-                </a:solidFill>
-                <a:latin typeface="Times New Roman" panose="02020603050405020304" pitchFamily="18" charset="0"/>
-                <a:cs typeface="Times New Roman" panose="02020603050405020304" pitchFamily="18" charset="0"/>
-              </a:rPr>
-              <a:t> API for Prescription </a:t>
-            </a:r>
-            <a:r>
-              <a:rPr lang="en-US" sz="2800" cap="none" dirty="0" smtClean="0">
-                <a:solidFill>
-                  <a:schemeClr val="accent1">
-                    <a:lumMod val="60000"/>
-                    <a:lumOff val="40000"/>
-                  </a:schemeClr>
-                </a:solidFill>
-                <a:latin typeface="Times New Roman" panose="02020603050405020304" pitchFamily="18" charset="0"/>
-                <a:cs typeface="Times New Roman" panose="02020603050405020304" pitchFamily="18" charset="0"/>
-              </a:rPr>
-              <a:t>Information</a:t>
+              <a:t> API for Prescription Information</a:t>
             </a:r>
           </a:p>
           <a:p>
